--- a/Presentation/ECE271B_Presenation.pptx
+++ b/Presentation/ECE271B_Presenation.pptx
@@ -127,6 +127,7 @@
 <p1510:revInfo xmlns:a="http://schemas.openxmlformats.org/drawingml/2006/main" xmlns:r="http://schemas.openxmlformats.org/officeDocument/2006/relationships" xmlns:p1510="http://schemas.microsoft.com/office/powerpoint/2015/10/main">
   <p1510:revLst>
     <p1510:client id="{3C25D84F-097B-BEF0-02F1-EECB35D71F59}" v="9" dt="2019-03-03T09:02:06.768"/>
+    <p1510:client id="{05140890-AC4C-3D0C-45FD-F565402A0B6C}" v="21" dt="2019-03-03T21:56:19.029"/>
   </p1510:revLst>
 </p1510:revInfo>
 </file>
@@ -21016,7 +21017,30 @@
           <a:p>
             <a:r>
               <a:rPr lang="en-US"/>
-              <a:t>Steps to take until submission</a:t>
+              <a:t>We are planning to implement Restricted Boltzmann Machines (RBM), instead of Autoencoder architecture</a:t>
+            </a:r>
+          </a:p>
+          <a:p>
+            <a:r>
+              <a:rPr lang="en-US"/>
+              <a:t>Different evaluation methods than SSNR: Log-Spectral Distortion and Perceptual Evaluation of Speech Quality (PESQ)</a:t>
+            </a:r>
+          </a:p>
+          <a:p>
+            <a:r>
+              <a:rPr lang="en-US"/>
+              <a:t>We plan to try different Neural Network training tricks to boost performance such as Dropout, Batch Normalization and Adaptive Learning Rates</a:t>
+            </a:r>
+            <a:endParaRPr lang="en-US" dirty="0"/>
+          </a:p>
+          <a:p>
+            <a:r>
+              <a:rPr lang="en-US"/>
+              <a:t>We plan to compare our model with the results of traditional methods: Spectral Subtraction, Log-MMSE, Wavelet </a:t>
+            </a:r>
+            <a:r>
+              <a:rPr lang="en-US" dirty="0"/>
+              <a:t>Shrinkage</a:t>
             </a:r>
           </a:p>
         </p:txBody>
@@ -21106,79 +21130,134 @@
         </p:spPr>
         <p:txBody>
           <a:bodyPr vert="horz" lIns="91440" tIns="45720" rIns="91440" bIns="45720" rtlCol="0" anchor="t">
-            <a:normAutofit fontScale="92500" lnSpcReduction="10000"/>
+            <a:normAutofit fontScale="92500" lnSpcReduction="20000"/>
           </a:bodyPr>
           <a:lstStyle/>
           <a:p>
             <a:r>
-              <a:rPr lang="en-US"/>
+              <a:rPr lang="en-US" dirty="0"/>
               <a:t>[1] https://github.com/philipperemy/timit</a:t>
             </a:r>
-            <a:endParaRPr lang="en-US" dirty="0"/>
           </a:p>
           <a:p>
             <a:r>
-              <a:rPr lang="en-US"/>
+              <a:rPr lang="en-US" dirty="0"/>
               <a:t>[2] Xu, Yong, et al. "An experimental study on speech enhancement based on deep neural networks." </a:t>
             </a:r>
             <a:r>
-              <a:rPr lang="en-US" i="1"/>
+              <a:rPr lang="en-US" i="1" dirty="0"/>
               <a:t>IEEE Signal processing letters</a:t>
             </a:r>
             <a:r>
-              <a:rPr lang="en-US"/>
+              <a:rPr lang="en-US" dirty="0"/>
               <a:t> 21.1 (2014): 65-68.</a:t>
             </a:r>
           </a:p>
           <a:p>
             <a:r>
-              <a:rPr lang="en-US"/>
-              <a:t>[3] Varga, Andrew, and Herman JM Steeneken. "Assessment for automatic speech recognition: II. NOISEX-92: A database and an experiment to study the effect of additive noise on speech recognition systems." </a:t>
+              <a:rPr lang="en-US" dirty="0"/>
+              <a:t>[3] </a:t>
             </a:r>
             <a:r>
-              <a:rPr lang="en-US" i="1"/>
+              <a:rPr lang="en-US" dirty="0" err="1"/>
+              <a:t>Varga</a:t>
+            </a:r>
+            <a:r>
+              <a:rPr lang="en-US" dirty="0"/>
+              <a:t>, Andrew, and Herman JM </a:t>
+            </a:r>
+            <a:r>
+              <a:rPr lang="en-US" dirty="0" err="1"/>
+              <a:t>Steeneken</a:t>
+            </a:r>
+            <a:r>
+              <a:rPr lang="en-US" dirty="0"/>
+              <a:t>. "Assessment for automatic speech recognition: II. NOISEX-92: A database and an experiment to study the effect of additive noise on speech recognition systems." </a:t>
+            </a:r>
+            <a:r>
+              <a:rPr lang="en-US" i="1" dirty="0"/>
               <a:t>Speech communication</a:t>
             </a:r>
             <a:r>
-              <a:rPr lang="en-US"/>
+              <a:rPr lang="en-US" dirty="0"/>
               <a:t> 12.3 (1993): 247-251.</a:t>
             </a:r>
           </a:p>
           <a:p>
             <a:r>
-              <a:rPr lang="en-US"/>
+              <a:rPr lang="en-US" dirty="0"/>
               <a:t>[4] Hirsch, Hans-Günter, and David Pearce. "The Aurora experimental framework for the performance evaluation of speech recognition systems under noisy conditions." </a:t>
             </a:r>
             <a:r>
-              <a:rPr lang="en-US" i="1"/>
-              <a:t>ASR2000-Automatic Speech Recognition: Challenges for the new Millenium ISCA Tutorial and Research Workshop (ITRW)</a:t>
+              <a:rPr lang="en-US" i="1" dirty="0"/>
+              <a:t>ASR2000-Automatic Speech Recognition: Challenges for the new </a:t>
             </a:r>
             <a:r>
-              <a:rPr lang="en-US"/>
+              <a:rPr lang="en-US" i="1" dirty="0" err="1"/>
+              <a:t>Millenium</a:t>
+            </a:r>
+            <a:r>
+              <a:rPr lang="en-US" i="1" dirty="0"/>
+              <a:t> ISCA Tutorial and Research Workshop (ITRW)</a:t>
+            </a:r>
+            <a:r>
+              <a:rPr lang="en-US" dirty="0"/>
               <a:t>. 2000.</a:t>
             </a:r>
-            <a:endParaRPr lang="en-US" dirty="0"/>
           </a:p>
           <a:p>
             <a:r>
-              <a:rPr lang="en-US"/>
-              <a:t>[5] Lu, Xugang, et al. "Speech enhancement based on deep denoising autoencoder." </a:t>
+              <a:rPr lang="en-US" dirty="0"/>
+              <a:t>[5] Lu, </a:t>
             </a:r>
             <a:r>
-              <a:rPr lang="en-US" i="1"/>
+              <a:rPr lang="en-US" dirty="0" err="1"/>
+              <a:t>Xugang</a:t>
+            </a:r>
+            <a:r>
+              <a:rPr lang="en-US" dirty="0"/>
+              <a:t>, et al. "Speech enhancement based on deep denoising autoencoder." </a:t>
+            </a:r>
+            <a:r>
+              <a:rPr lang="en-US" i="1" dirty="0" err="1"/>
               <a:t>Interspeech</a:t>
             </a:r>
             <a:r>
-              <a:rPr lang="en-US"/>
+              <a:rPr lang="en-US" dirty="0"/>
               <a:t>. 2013.</a:t>
             </a:r>
           </a:p>
           <a:p>
             <a:r>
+              <a:rPr lang="en-US" dirty="0"/>
+              <a:t>[6] Kingma, Diederik P., and Jimmy Ba. "Adam: A method for stochastic optimization." </a:t>
+            </a:r>
+            <a:r>
+              <a:rPr lang="en-US" i="1" dirty="0" err="1"/>
+              <a:t>arXiv</a:t>
+            </a:r>
+            <a:r>
+              <a:rPr lang="en-US" i="1" dirty="0"/>
+              <a:t> preprint arXiv:1412.6980</a:t>
+            </a:r>
+            <a:r>
+              <a:rPr lang="en-US" dirty="0"/>
+              <a:t>(2014).</a:t>
+            </a:r>
+          </a:p>
+          <a:p>
+            <a:r>
               <a:rPr lang="en-US"/>
-              <a:t>[6] Y. Bengio, “Learning deep architectures for AI,” Found. Trends Mach. Learn., vol. 2, no. 1, pp. 1–127, 2009.</a:t>
+              <a:t>[Boltzmann] Y. </a:t>
             </a:r>
-            <a:endParaRPr lang="en-US" dirty="0"/>
+            <a:r>
+              <a:rPr lang="en-US" err="1"/>
+              <a:t>Bengio</a:t>
+            </a:r>
+            <a:r>
+              <a:rPr lang="en-US" dirty="0"/>
+              <a:t>, “Learning deep architectures for AI,” Found. Trends Mach. Learn., vol. 2, no. 1, pp. 1–127, 2009.</a:t>
+            </a:r>
           </a:p>
         </p:txBody>
       </p:sp>
@@ -21399,8 +21478,8 @@
         </p:blipFill>
         <p:spPr>
           <a:xfrm>
-            <a:off x="6782029" y="1850930"/>
-            <a:ext cx="4718382" cy="3635468"/>
+            <a:off x="6968934" y="1994703"/>
+            <a:ext cx="4531477" cy="3491695"/>
           </a:xfrm>
           <a:prstGeom prst="rect">
             <a:avLst/>
@@ -21969,15 +22048,22 @@
               <a:rPr lang="en-US" dirty="0">
                 <a:cs typeface="Calibri"/>
               </a:rPr>
-              <a:t>4 different noise types with 6 different SNRs: -5, 0, …, 20dB are added to each speech file</a:t>
+              <a:t>4 different noise types with 6 different SNRs: -5, 0, …, 20dB are </a:t>
             </a:r>
+            <a:r>
+              <a:rPr lang="en-US">
+                <a:cs typeface="Calibri"/>
+              </a:rPr>
+              <a:t>added to each speech file</a:t>
+            </a:r>
+            <a:endParaRPr lang="en-US"/>
           </a:p>
           <a:p>
             <a:r>
               <a:rPr lang="en-US" dirty="0">
                 <a:cs typeface="Calibri"/>
               </a:rPr>
-              <a:t>For a single speech file, this makes 4 x 6 = 24 combinations, therefore the datasets grows 24 times in size</a:t>
+              <a:t>For a single speech file, this makes 4 x 6 = 24 combinations</a:t>
             </a:r>
           </a:p>
           <a:p>
@@ -21990,19 +22076,7 @@
               <a:rPr lang="en-US" dirty="0">
                 <a:cs typeface="Calibri"/>
               </a:rPr>
-              <a:t>For train set: all the </a:t>
-            </a:r>
-            <a:r>
-              <a:rPr lang="en-US" dirty="0" err="1">
-                <a:cs typeface="Calibri"/>
-              </a:rPr>
-              <a:t>originl</a:t>
-            </a:r>
-            <a:r>
-              <a:rPr lang="en-US" dirty="0">
-                <a:cs typeface="Calibri"/>
-              </a:rPr>
-              <a:t> TIMIT train files are used </a:t>
+              <a:t>For train set: all the original TIMIT train files are used </a:t>
             </a:r>
           </a:p>
           <a:p>
@@ -22019,7 +22093,21 @@
               <a:rPr lang="en-US" dirty="0">
                 <a:cs typeface="Calibri"/>
               </a:rPr>
-              <a:t>Above 4 plus 2 new noise types are added, to test the DNN with unseen noise types (mismatch evaluation)</a:t>
+              <a:t>The above 4 plus 2 new noise types are added, to test the DNN with unseen noise types (mismatch evaluation)</a:t>
+            </a:r>
+          </a:p>
+          <a:p>
+            <a:pPr lvl="1"/>
+            <a:endParaRPr lang="en-US" dirty="0">
+              <a:cs typeface="Calibri"/>
+            </a:endParaRPr>
+          </a:p>
+          <a:p>
+            <a:r>
+              <a:rPr lang="en-US">
+                <a:cs typeface="Calibri"/>
+              </a:rPr>
+              <a:t>Down-sampling the speech files from 512 to 128kbps</a:t>
             </a:r>
           </a:p>
           <a:p>
@@ -22357,8 +22445,8 @@
         </p:nvSpPr>
         <p:spPr>
           <a:xfrm>
-            <a:off x="3116141" y="1693484"/>
-            <a:ext cx="8342692" cy="4612424"/>
+            <a:off x="3274291" y="1693484"/>
+            <a:ext cx="7134995" cy="4353632"/>
           </a:xfrm>
         </p:spPr>
         <p:txBody>
@@ -22371,40 +22459,48 @@
               <a:rPr lang="en-US">
                 <a:cs typeface="Calibri"/>
               </a:rPr>
-              <a:t>Speech signals are converted into log-spectrum (Fourier Transform)</a:t>
+              <a:t>Short Time Fourier Transform (STFT) is applied to the train and test files</a:t>
             </a:r>
+            <a:endParaRPr lang="en-US"/>
+          </a:p>
+          <a:p>
+            <a:pPr marL="0" indent="0">
+              <a:buNone/>
+            </a:pPr>
+            <a:endParaRPr lang="en-US" dirty="0">
+              <a:cs typeface="Calibri"/>
+            </a:endParaRPr>
           </a:p>
           <a:p>
             <a:r>
               <a:rPr lang="en-US">
                 <a:cs typeface="Calibri"/>
               </a:rPr>
-              <a:t>The log-spectrum data is serialized</a:t>
+              <a:t>The resulting files are normalized</a:t>
             </a:r>
+          </a:p>
+          <a:p>
+            <a:pPr marL="0" indent="0">
+              <a:buNone/>
+            </a:pPr>
+            <a:endParaRPr lang="en-US" dirty="0">
+              <a:cs typeface="Calibri"/>
+            </a:endParaRPr>
           </a:p>
           <a:p>
             <a:r>
               <a:rPr lang="en-US">
                 <a:cs typeface="Calibri"/>
               </a:rPr>
-              <a:t>The resulting data is fed to an Autoencoder for preliminary feature extraction [5]</a:t>
+              <a:t>Amplitude is coverted into decibels</a:t>
             </a:r>
           </a:p>
           <a:p>
-            <a:r>
-              <a:rPr lang="en-US">
-                <a:cs typeface="Calibri"/>
-              </a:rPr>
-              <a:t>Pre training with Restricted Boltzmann Machine [6] </a:t>
-            </a:r>
-          </a:p>
-          <a:p>
-            <a:r>
-              <a:rPr lang="en-US">
-                <a:cs typeface="Calibri"/>
-              </a:rPr>
-              <a:t>What else?</a:t>
-            </a:r>
+            <a:endParaRPr lang="en-US" dirty="0">
+              <a:cs typeface="Calibri"/>
+            </a:endParaRPr>
+          </a:p>
+          <a:p>
             <a:endParaRPr lang="en-US" dirty="0">
               <a:cs typeface="Calibri"/>
             </a:endParaRPr>
@@ -22730,29 +22826,73 @@
           <a:lstStyle/>
           <a:p>
             <a:r>
-              <a:rPr lang="en-US" dirty="0">
+              <a:rPr lang="en-US">
                 <a:cs typeface="Calibri"/>
               </a:rPr>
-              <a:t>Minimum mean square error(MMSE) will be used as objective function in the back propagation process. </a:t>
+              <a:t>We are currently using the Autoencoder as the architecture of our DNN network [5]</a:t>
             </a:r>
-            <a:endParaRPr lang="en-US" dirty="0"/>
           </a:p>
           <a:p>
             <a:r>
               <a:rPr lang="en-US" dirty="0">
                 <a:cs typeface="Calibri"/>
               </a:rPr>
-              <a:t>The weights will be updated based on the gradient and learning rate, after each training epoch or mini-batch</a:t>
+              <a:t>Minimum mean square error(MMSE) is used as objective function in the </a:t>
             </a:r>
-            <a:endParaRPr lang="en-US" dirty="0"/>
-          </a:p>
-          <a:p>
+            <a:r>
+              <a:rPr lang="en-US">
+                <a:cs typeface="Calibri"/>
+              </a:rPr>
+              <a:t>back propagation process. </a:t>
+            </a:r>
+          </a:p>
+          <a:p>
+            <a:r>
+              <a:rPr lang="en-US">
+                <a:cs typeface="Calibri"/>
+              </a:rPr>
+              <a:t>Adam algorithm used for the training process [6</a:t>
+            </a:r>
             <a:r>
               <a:rPr lang="en-US" dirty="0">
                 <a:cs typeface="Calibri"/>
               </a:rPr>
-              <a:t>What else?</a:t>
+              <a:t>]</a:t>
             </a:r>
+          </a:p>
+          <a:p>
+            <a:r>
+              <a:rPr lang="en-US">
+                <a:cs typeface="Calibri"/>
+              </a:rPr>
+              <a:t>Currently, we run 10 Epochs, and we use n = 50 mini-batches in each iteration</a:t>
+            </a:r>
+          </a:p>
+          <a:p>
+            <a:r>
+              <a:rPr lang="en-US">
+                <a:cs typeface="Calibri"/>
+              </a:rPr>
+              <a:t>For each mini-batch, the weights are updated based on the gradient and learning rate</a:t>
+            </a:r>
+            <a:endParaRPr lang="en-US" dirty="0">
+              <a:cs typeface="Calibri"/>
+            </a:endParaRPr>
+          </a:p>
+          <a:p>
+            <a:endParaRPr lang="en-US" dirty="0">
+              <a:cs typeface="Calibri"/>
+            </a:endParaRPr>
+          </a:p>
+          <a:p>
+            <a:endParaRPr lang="en-US" dirty="0">
+              <a:cs typeface="Calibri"/>
+            </a:endParaRPr>
+          </a:p>
+          <a:p>
+            <a:endParaRPr lang="en-US" dirty="0">
+              <a:cs typeface="Calibri"/>
+            </a:endParaRPr>
           </a:p>
         </p:txBody>
       </p:sp>
@@ -23078,9 +23218,22 @@
               <a:rPr lang="en-US" dirty="0">
                 <a:cs typeface="Calibri"/>
               </a:rPr>
+              <a:t>Conversion back to speech files (the process in Spectogram.py)</a:t>
+            </a:r>
+          </a:p>
+          <a:p>
+            <a:r>
+              <a:rPr lang="en-US" dirty="0">
+                <a:cs typeface="Calibri"/>
+              </a:rPr>
               <a:t>Should explain 2 unused noise types &amp; mismatch evaluation / generalization??</a:t>
             </a:r>
-            <a:endParaRPr lang="en-US" dirty="0"/>
+            <a:endParaRPr lang="en-US"/>
+          </a:p>
+          <a:p>
+            <a:endParaRPr lang="en-US" dirty="0">
+              <a:cs typeface="Calibri"/>
+            </a:endParaRPr>
           </a:p>
           <a:p>
             <a:pPr marL="0" indent="0">
@@ -23108,12 +23261,9 @@
             <a:endParaRPr lang="en-US"/>
           </a:p>
           <a:p>
-            <a:r>
-              <a:rPr lang="en-US" dirty="0">
-                <a:cs typeface="Calibri"/>
-              </a:rPr>
-              <a:t>Comparison of our model with traditional methods: Spectral Subtraction, Log-MMSE, Wavelet Shrinkage</a:t>
-            </a:r>
+            <a:endParaRPr lang="en-US" dirty="0">
+              <a:cs typeface="Calibri"/>
+            </a:endParaRPr>
           </a:p>
           <a:p>
             <a:endParaRPr lang="en-US" dirty="0">
